--- a/Learning Phase/Week 4/Day 2/Spring  Data JPA/Slides/4. Configuration of Spring and JPA for Development/configuration-of-spring-and-jpa-for-development-slides.pptx
+++ b/Learning Phase/Week 4/Day 2/Spring  Data JPA/Slides/4. Configuration of Spring and JPA for Development/configuration-of-spring-and-jpa-for-development-slides.pptx
@@ -5,23 +5,23 @@
     <p:sldMasterId id="2147483648" r:id="rId1"/>
   </p:sldMasterIdLst>
   <p:notesMasterIdLst>
-    <p:notesMasterId r:id="rId14"/>
+    <p:notesMasterId r:id="rId13"/>
   </p:notesMasterIdLst>
   <p:handoutMasterIdLst>
-    <p:handoutMasterId r:id="rId15"/>
+    <p:handoutMasterId r:id="rId14"/>
   </p:handoutMasterIdLst>
   <p:sldIdLst>
-    <p:sldId id="256" r:id="rId3"/>
-    <p:sldId id="257" r:id="rId4"/>
-    <p:sldId id="258" r:id="rId5"/>
-    <p:sldId id="262" r:id="rId6"/>
-    <p:sldId id="261" r:id="rId7"/>
-    <p:sldId id="263" r:id="rId8"/>
-    <p:sldId id="264" r:id="rId9"/>
-    <p:sldId id="268" r:id="rId10"/>
-    <p:sldId id="265" r:id="rId11"/>
-    <p:sldId id="266" r:id="rId12"/>
-    <p:sldId id="267" r:id="rId13"/>
+    <p:sldId id="256" r:id="rId2"/>
+    <p:sldId id="257" r:id="rId3"/>
+    <p:sldId id="258" r:id="rId4"/>
+    <p:sldId id="262" r:id="rId5"/>
+    <p:sldId id="261" r:id="rId6"/>
+    <p:sldId id="263" r:id="rId7"/>
+    <p:sldId id="264" r:id="rId8"/>
+    <p:sldId id="268" r:id="rId9"/>
+    <p:sldId id="265" r:id="rId10"/>
+    <p:sldId id="266" r:id="rId11"/>
+    <p:sldId id="267" r:id="rId12"/>
   </p:sldIdLst>
   <p:sldSz cx="20104100" cy="11309350"/>
   <p:notesSz cx="20104100" cy="11309350"/>
@@ -117,6 +117,22 @@
       </a:defRPr>
     </a:lvl9pPr>
   </p:defaultTextStyle>
+  <p:extLst>
+    <p:ext uri="{EFAFB233-063F-42B5-8137-9DF3F51BA10A}">
+      <p15:sldGuideLst xmlns:p15="http://schemas.microsoft.com/office/powerpoint/2012/main">
+        <p15:guide id="1" orient="horz" pos="2911">
+          <p15:clr>
+            <a:srgbClr val="A4A3A4"/>
+          </p15:clr>
+        </p15:guide>
+        <p15:guide id="2" pos="2160">
+          <p15:clr>
+            <a:srgbClr val="A4A3A4"/>
+          </p15:clr>
+        </p15:guide>
+      </p15:sldGuideLst>
+    </p:ext>
+  </p:extLst>
 </p:presentation>
 </file>
 
@@ -202,6 +218,7 @@
           <a:p>
             <a:fld id="{696C064A-D61B-4B21-B757-51A9B82445B8}" type="datetimeFigureOut">
               <a:rPr lang="en-US" smtClean="0"/>
+              <a:t>2/8/2024</a:t>
             </a:fld>
             <a:endParaRPr lang="en-US"/>
           </a:p>
@@ -267,12 +284,18 @@
           <a:p>
             <a:fld id="{50305E07-67EA-4042-A3F6-853A8AD8D209}" type="slidenum">
               <a:rPr lang="en-US" smtClean="0"/>
+              <a:t>‹#›</a:t>
             </a:fld>
             <a:endParaRPr lang="en-US"/>
           </a:p>
         </p:txBody>
       </p:sp>
     </p:spTree>
+    <p:extLst>
+      <p:ext uri="{BB962C8B-B14F-4D97-AF65-F5344CB8AC3E}">
+        <p14:creationId xmlns:p14="http://schemas.microsoft.com/office/powerpoint/2010/main" val="1"/>
+      </p:ext>
+    </p:extLst>
   </p:cSld>
   <p:clrMap bg1="lt1" tx1="dk1" bg2="lt2" tx2="dk2" accent1="accent1" accent2="accent2" accent3="accent3" accent4="accent4" accent5="accent5" accent6="accent6" hlink="hlink" folHlink="folHlink"/>
 </p:handoutMaster>
@@ -360,6 +383,7 @@
           <a:p>
             <a:fld id="{3EFD42F7-718C-4B98-AAEC-167E6DDD60A7}" type="datetimeFigureOut">
               <a:rPr lang="en-US" smtClean="0"/>
+              <a:t>2/8/2024</a:t>
             </a:fld>
             <a:endParaRPr lang="en-US"/>
           </a:p>
@@ -423,42 +447,37 @@
           <a:p>
             <a:pPr lvl="0"/>
             <a:r>
-              <a:rPr lang="en-US" smtClean="0"/>
+              <a:rPr lang="en-US"/>
               <a:t>Click to edit Master text styles</a:t>
             </a:r>
-            <a:endParaRPr lang="en-US" smtClean="0"/>
           </a:p>
           <a:p>
             <a:pPr lvl="1"/>
             <a:r>
-              <a:rPr lang="en-US" smtClean="0"/>
+              <a:rPr lang="en-US"/>
               <a:t>Second level</a:t>
             </a:r>
-            <a:endParaRPr lang="en-US" smtClean="0"/>
           </a:p>
           <a:p>
             <a:pPr lvl="2"/>
             <a:r>
-              <a:rPr lang="en-US" smtClean="0"/>
+              <a:rPr lang="en-US"/>
               <a:t>Third level</a:t>
             </a:r>
-            <a:endParaRPr lang="en-US" smtClean="0"/>
           </a:p>
           <a:p>
             <a:pPr lvl="3"/>
             <a:r>
-              <a:rPr lang="en-US" smtClean="0"/>
+              <a:rPr lang="en-US"/>
               <a:t>Fourth level</a:t>
             </a:r>
-            <a:endParaRPr lang="en-US" smtClean="0"/>
           </a:p>
           <a:p>
             <a:pPr lvl="4"/>
             <a:r>
-              <a:rPr lang="en-US" smtClean="0"/>
+              <a:rPr lang="en-US"/>
               <a:t>Fifth level</a:t>
             </a:r>
-            <a:endParaRPr lang="en-US"/>
           </a:p>
         </p:txBody>
       </p:sp>
@@ -522,6 +541,7 @@
           <a:p>
             <a:fld id="{21B2AA4F-B828-4D7C-AFD3-893933DAFCB4}" type="slidenum">
               <a:rPr lang="en-US" smtClean="0"/>
+              <a:t>‹#›</a:t>
             </a:fld>
             <a:endParaRPr lang="en-US"/>
           </a:p>
@@ -670,7 +690,9 @@
               <a:defRPr/>
             </a:lvl1pPr>
           </a:lstStyle>
-          <a:p/>
+          <a:p>
+            <a:endParaRPr/>
+          </a:p>
         </p:txBody>
       </p:sp>
       <p:sp>
@@ -701,7 +723,9 @@
               <a:defRPr/>
             </a:lvl1pPr>
           </a:lstStyle>
-          <a:p/>
+          <a:p>
+            <a:endParaRPr/>
+          </a:p>
         </p:txBody>
       </p:sp>
       <p:sp>
@@ -728,7 +752,9 @@
               </a:defRPr>
             </a:lvl1pPr>
           </a:lstStyle>
-          <a:p/>
+          <a:p>
+            <a:endParaRPr/>
+          </a:p>
         </p:txBody>
       </p:sp>
       <p:sp>
@@ -758,6 +784,7 @@
           <a:p>
             <a:fld id="{1D8BD707-D9CF-40AE-B4C6-C98DA3205C09}" type="datetimeFigureOut">
               <a:rPr lang="en-US"/>
+              <a:t>2/8/2024</a:t>
             </a:fld>
             <a:endParaRPr lang="en-US"/>
           </a:p>
@@ -790,6 +817,7 @@
           <a:p>
             <a:fld id="{B6F15528-21DE-4FAA-801E-634DDDAF4B2B}" type="slidenum">
               <a:rPr/>
+              <a:t>‹#›</a:t>
             </a:fld>
             <a:endParaRPr/>
           </a:p>
@@ -845,7 +873,9 @@
               </a:defRPr>
             </a:lvl1pPr>
           </a:lstStyle>
-          <a:p/>
+          <a:p>
+            <a:endParaRPr/>
+          </a:p>
         </p:txBody>
       </p:sp>
       <p:sp>
@@ -872,7 +902,9 @@
               </a:defRPr>
             </a:lvl1pPr>
           </a:lstStyle>
-          <a:p/>
+          <a:p>
+            <a:endParaRPr/>
+          </a:p>
         </p:txBody>
       </p:sp>
       <p:sp>
@@ -899,7 +931,9 @@
               </a:defRPr>
             </a:lvl1pPr>
           </a:lstStyle>
-          <a:p/>
+          <a:p>
+            <a:endParaRPr/>
+          </a:p>
         </p:txBody>
       </p:sp>
       <p:sp>
@@ -929,6 +963,7 @@
           <a:p>
             <a:fld id="{1D8BD707-D9CF-40AE-B4C6-C98DA3205C09}" type="datetimeFigureOut">
               <a:rPr lang="en-US"/>
+              <a:t>2/8/2024</a:t>
             </a:fld>
             <a:endParaRPr lang="en-US"/>
           </a:p>
@@ -961,6 +996,7 @@
           <a:p>
             <a:fld id="{B6F15528-21DE-4FAA-801E-634DDDAF4B2B}" type="slidenum">
               <a:rPr/>
+              <a:t>‹#›</a:t>
             </a:fld>
             <a:endParaRPr/>
           </a:p>
@@ -1016,7 +1052,9 @@
               </a:defRPr>
             </a:lvl1pPr>
           </a:lstStyle>
-          <a:p/>
+          <a:p>
+            <a:endParaRPr/>
+          </a:p>
         </p:txBody>
       </p:sp>
       <p:sp>
@@ -1047,7 +1085,9 @@
               <a:defRPr/>
             </a:lvl1pPr>
           </a:lstStyle>
-          <a:p/>
+          <a:p>
+            <a:endParaRPr/>
+          </a:p>
         </p:txBody>
       </p:sp>
       <p:sp>
@@ -1078,7 +1118,9 @@
               <a:defRPr/>
             </a:lvl1pPr>
           </a:lstStyle>
-          <a:p/>
+          <a:p>
+            <a:endParaRPr/>
+          </a:p>
         </p:txBody>
       </p:sp>
       <p:sp>
@@ -1105,7 +1147,9 @@
               </a:defRPr>
             </a:lvl1pPr>
           </a:lstStyle>
-          <a:p/>
+          <a:p>
+            <a:endParaRPr/>
+          </a:p>
         </p:txBody>
       </p:sp>
       <p:sp>
@@ -1135,6 +1179,7 @@
           <a:p>
             <a:fld id="{1D8BD707-D9CF-40AE-B4C6-C98DA3205C09}" type="datetimeFigureOut">
               <a:rPr lang="en-US"/>
+              <a:t>2/8/2024</a:t>
             </a:fld>
             <a:endParaRPr lang="en-US"/>
           </a:p>
@@ -1167,6 +1212,7 @@
           <a:p>
             <a:fld id="{B6F15528-21DE-4FAA-801E-634DDDAF4B2B}" type="slidenum">
               <a:rPr/>
+              <a:t>‹#›</a:t>
             </a:fld>
             <a:endParaRPr/>
           </a:p>
@@ -1222,7 +1268,9 @@
               </a:defRPr>
             </a:lvl1pPr>
           </a:lstStyle>
-          <a:p/>
+          <a:p>
+            <a:endParaRPr/>
+          </a:p>
         </p:txBody>
       </p:sp>
       <p:sp>
@@ -1249,7 +1297,9 @@
               </a:defRPr>
             </a:lvl1pPr>
           </a:lstStyle>
-          <a:p/>
+          <a:p>
+            <a:endParaRPr/>
+          </a:p>
         </p:txBody>
       </p:sp>
       <p:sp>
@@ -1279,6 +1329,7 @@
           <a:p>
             <a:fld id="{1D8BD707-D9CF-40AE-B4C6-C98DA3205C09}" type="datetimeFigureOut">
               <a:rPr lang="en-US"/>
+              <a:t>2/8/2024</a:t>
             </a:fld>
             <a:endParaRPr lang="en-US"/>
           </a:p>
@@ -1311,6 +1362,7 @@
           <a:p>
             <a:fld id="{B6F15528-21DE-4FAA-801E-634DDDAF4B2B}" type="slidenum">
               <a:rPr/>
+              <a:t>‹#›</a:t>
             </a:fld>
             <a:endParaRPr/>
           </a:p>
@@ -1326,7 +1378,7 @@
 </file>
 
 <file path=ppt/slideLayouts/slideLayout5.xml><?xml version="1.0" encoding="utf-8"?>
-<p:sldLayout xmlns:a="http://schemas.openxmlformats.org/drawingml/2006/main" xmlns:r="http://schemas.openxmlformats.org/officeDocument/2006/relationships" xmlns:p="http://schemas.openxmlformats.org/presentationml/2006/main" type="obj" preserve="1" showMasterSp="0">
+<p:sldLayout xmlns:a="http://schemas.openxmlformats.org/drawingml/2006/main" xmlns:r="http://schemas.openxmlformats.org/officeDocument/2006/relationships" xmlns:p="http://schemas.openxmlformats.org/presentationml/2006/main" showMasterSp="0" type="obj" preserve="1">
   <p:cSld name="Blank">
     <p:bg>
       <p:bgPr>
@@ -1417,7 +1469,9 @@
         <p:txBody>
           <a:bodyPr wrap="square" lIns="0" tIns="0" rIns="0" bIns="0" rtlCol="0"/>
           <a:lstStyle/>
-          <a:p/>
+          <a:p>
+            <a:endParaRPr/>
+          </a:p>
         </p:txBody>
       </p:sp>
       <p:sp>
@@ -1465,7 +1519,9 @@
         <p:txBody>
           <a:bodyPr wrap="square" lIns="0" tIns="0" rIns="0" bIns="0" rtlCol="0"/>
           <a:lstStyle/>
-          <a:p/>
+          <a:p>
+            <a:endParaRPr/>
+          </a:p>
         </p:txBody>
       </p:sp>
       <p:sp>
@@ -1492,7 +1548,9 @@
               </a:defRPr>
             </a:lvl1pPr>
           </a:lstStyle>
-          <a:p/>
+          <a:p>
+            <a:endParaRPr/>
+          </a:p>
         </p:txBody>
       </p:sp>
       <p:sp>
@@ -1522,6 +1580,7 @@
           <a:p>
             <a:fld id="{1D8BD707-D9CF-40AE-B4C6-C98DA3205C09}" type="datetimeFigureOut">
               <a:rPr lang="en-US"/>
+              <a:t>2/8/2024</a:t>
             </a:fld>
             <a:endParaRPr lang="en-US"/>
           </a:p>
@@ -1554,6 +1613,7 @@
           <a:p>
             <a:fld id="{B6F15528-21DE-4FAA-801E-634DDDAF4B2B}" type="slidenum">
               <a:rPr/>
+              <a:t>‹#›</a:t>
             </a:fld>
             <a:endParaRPr/>
           </a:p>
@@ -1627,7 +1687,9 @@
               </a:defRPr>
             </a:lvl1pPr>
           </a:lstStyle>
-          <a:p/>
+          <a:p>
+            <a:endParaRPr/>
+          </a:p>
         </p:txBody>
       </p:sp>
       <p:sp>
@@ -1664,7 +1726,9 @@
               </a:defRPr>
             </a:lvl1pPr>
           </a:lstStyle>
-          <a:p/>
+          <a:p>
+            <a:endParaRPr/>
+          </a:p>
         </p:txBody>
       </p:sp>
       <p:sp>
@@ -1701,7 +1765,9 @@
               </a:defRPr>
             </a:lvl1pPr>
           </a:lstStyle>
-          <a:p/>
+          <a:p>
+            <a:endParaRPr/>
+          </a:p>
         </p:txBody>
       </p:sp>
       <p:sp>
@@ -1741,6 +1807,7 @@
           <a:p>
             <a:fld id="{1D8BD707-D9CF-40AE-B4C6-C98DA3205C09}" type="datetimeFigureOut">
               <a:rPr lang="en-US"/>
+              <a:t>2/8/2024</a:t>
             </a:fld>
             <a:endParaRPr lang="en-US"/>
           </a:p>
@@ -1783,6 +1850,7 @@
           <a:p>
             <a:fld id="{B6F15528-21DE-4FAA-801E-634DDDAF4B2B}" type="slidenum">
               <a:rPr/>
+              <a:t>‹#›</a:t>
             </a:fld>
             <a:endParaRPr/>
           </a:p>
@@ -1967,7 +2035,7 @@
           <p:nvPr/>
         </p:nvPicPr>
         <p:blipFill>
-          <a:blip r:embed="rId1" cstate="print"/>
+          <a:blip r:embed="rId2" cstate="print"/>
           <a:stretch>
             <a:fillRect/>
           </a:stretch>
@@ -2395,9 +2463,11 @@
         <p:spPr/>
         <p:txBody>
           <a:bodyPr/>
+          <a:lstStyle/>
           <a:p>
             <a:fld id="{B6F15528-21DE-4FAA-801E-634DDDAF4B2B}" type="slidenum">
               <a:rPr/>
+              <a:t>1</a:t>
             </a:fld>
             <a:endParaRPr/>
           </a:p>
@@ -2465,7 +2535,9 @@
         <p:txBody>
           <a:bodyPr wrap="square" lIns="0" tIns="0" rIns="0" bIns="0" rtlCol="0"/>
           <a:lstStyle/>
-          <a:p/>
+          <a:p>
+            <a:endParaRPr/>
+          </a:p>
         </p:txBody>
       </p:sp>
       <p:sp>
@@ -2505,7 +2577,6 @@
               <a:rPr dirty="0"/>
               <a:t>logging.level.org.hibernate.SQL=debug</a:t>
             </a:r>
-            <a:endParaRPr dirty="0"/>
           </a:p>
         </p:txBody>
       </p:sp>
@@ -2739,9 +2810,11 @@
         <p:spPr/>
         <p:txBody>
           <a:bodyPr/>
+          <a:lstStyle/>
           <a:p>
             <a:fld id="{B6F15528-21DE-4FAA-801E-634DDDAF4B2B}" type="slidenum">
               <a:rPr/>
+              <a:t>10</a:t>
             </a:fld>
             <a:endParaRPr/>
           </a:p>
@@ -2779,7 +2852,7 @@
           <p:nvPr/>
         </p:nvPicPr>
         <p:blipFill>
-          <a:blip r:embed="rId1" cstate="print"/>
+          <a:blip r:embed="rId2" cstate="print"/>
           <a:stretch>
             <a:fillRect/>
           </a:stretch>
@@ -2938,14 +3011,7 @@
                 <a:latin typeface="Verdana" panose="020B0604030504040204"/>
                 <a:cs typeface="Verdana" panose="020B0604030504040204"/>
               </a:rPr>
-              <a:t>T</a:t>
-            </a:r>
-            <a:r>
-              <a:rPr sz="3950" spc="-155" dirty="0">
-                <a:latin typeface="Verdana" panose="020B0604030504040204"/>
-                <a:cs typeface="Verdana" panose="020B0604030504040204"/>
-              </a:rPr>
-              <a:t>r</a:t>
+              <a:t>Tr</a:t>
             </a:r>
             <a:r>
               <a:rPr sz="3950" spc="15" dirty="0">
@@ -3023,9 +3089,11 @@
         <p:spPr/>
         <p:txBody>
           <a:bodyPr/>
+          <a:lstStyle/>
           <a:p>
             <a:fld id="{B6F15528-21DE-4FAA-801E-634DDDAF4B2B}" type="slidenum">
               <a:rPr/>
+              <a:t>11</a:t>
             </a:fld>
             <a:endParaRPr/>
           </a:p>
@@ -3112,9 +3180,11 @@
         <p:spPr/>
         <p:txBody>
           <a:bodyPr/>
+          <a:lstStyle/>
           <a:p>
             <a:fld id="{B6F15528-21DE-4FAA-801E-634DDDAF4B2B}" type="slidenum">
               <a:rPr/>
+              <a:t>2</a:t>
             </a:fld>
             <a:endParaRPr/>
           </a:p>
@@ -3182,7 +3252,9 @@
         <p:txBody>
           <a:bodyPr wrap="square" lIns="0" tIns="0" rIns="0" bIns="0" rtlCol="0"/>
           <a:lstStyle/>
-          <a:p/>
+          <a:p>
+            <a:endParaRPr/>
+          </a:p>
         </p:txBody>
       </p:sp>
       <p:sp>
@@ -3319,10 +3391,6 @@
               </a:rPr>
               <a:t>Layer</a:t>
             </a:r>
-            <a:endParaRPr dirty="0">
-              <a:latin typeface="Verdana" panose="020B0604030504040204"/>
-              <a:cs typeface="Verdana" panose="020B0604030504040204"/>
-            </a:endParaRPr>
           </a:p>
           <a:p>
             <a:pPr marL="12700" marR="5080">
@@ -3379,10 +3447,6 @@
               </a:rPr>
               <a:t>Dialect</a:t>
             </a:r>
-            <a:endParaRPr spc="55" dirty="0">
-              <a:latin typeface="Verdana" panose="020B0604030504040204"/>
-              <a:cs typeface="Verdana" panose="020B0604030504040204"/>
-            </a:endParaRPr>
           </a:p>
         </p:txBody>
       </p:sp>
@@ -3416,20 +3480,20 @@
               </a:spcBef>
             </a:pPr>
             <a:r>
-              <a:rPr lang="en-US" sz="3950" spc="90" dirty="0">
-                <a:latin typeface="Verdana" panose="020B0604030504040204"/>
-                <a:cs typeface="Verdana" panose="020B0604030504040204"/>
-              </a:rPr>
-              <a:t>My</a:t>
-            </a:r>
-            <a:r>
-              <a:rPr sz="3950" spc="90" dirty="0">
+              <a:rPr lang="en-US" sz="3950" spc="90" dirty="0" err="1">
+                <a:latin typeface="Verdana" panose="020B0604030504040204"/>
+                <a:cs typeface="Verdana" panose="020B0604030504040204"/>
+              </a:rPr>
+              <a:t>Postgres</a:t>
+            </a:r>
+            <a:r>
+              <a:rPr sz="3950" spc="90" dirty="0" err="1">
                 <a:latin typeface="Verdana" panose="020B0604030504040204"/>
                 <a:cs typeface="Verdana" panose="020B0604030504040204"/>
               </a:rPr>
               <a:t>SQL</a:t>
             </a:r>
-            <a:endParaRPr sz="3950">
+            <a:endParaRPr sz="3950" dirty="0">
               <a:latin typeface="Verdana" panose="020B0604030504040204"/>
               <a:cs typeface="Verdana" panose="020B0604030504040204"/>
             </a:endParaRPr>
@@ -3443,7 +3507,7 @@
                 <a:spcPts val="3010"/>
               </a:spcBef>
             </a:pPr>
-            <a:endParaRPr sz="3950">
+            <a:endParaRPr sz="3950" dirty="0">
               <a:latin typeface="Verdana" panose="020B0604030504040204"/>
               <a:cs typeface="Verdana" panose="020B0604030504040204"/>
             </a:endParaRPr>
@@ -3463,9 +3527,11 @@
         <p:spPr/>
         <p:txBody>
           <a:bodyPr/>
+          <a:lstStyle/>
           <a:p>
             <a:fld id="{B6F15528-21DE-4FAA-801E-634DDDAF4B2B}" type="slidenum">
               <a:rPr/>
+              <a:t>3</a:t>
             </a:fld>
             <a:endParaRPr/>
           </a:p>
@@ -3541,7 +3607,9 @@
         <p:txBody>
           <a:bodyPr wrap="square" lIns="0" tIns="0" rIns="0" bIns="0" rtlCol="0"/>
           <a:lstStyle/>
-          <a:p/>
+          <a:p>
+            <a:endParaRPr/>
+          </a:p>
         </p:txBody>
       </p:sp>
       <p:sp>
@@ -3687,7 +3755,7 @@
               <a:rPr sz="3450" dirty="0">
                 <a:latin typeface="Courier New" panose="02070309020205020404"/>
                 <a:cs typeface="Courier New" panose="02070309020205020404"/>
-                <a:hlinkClick r:id="rId1"/>
+                <a:hlinkClick r:id="rId2"/>
               </a:rPr>
               <a:t>xmlns="http://xmlns.jcp.org/xml/ns/persistence"</a:t>
             </a:r>
@@ -3706,29 +3774,29 @@
               <a:rPr sz="3450" spc="5" dirty="0">
                 <a:latin typeface="Courier New" panose="02070309020205020404"/>
                 <a:cs typeface="Courier New" panose="02070309020205020404"/>
+                <a:hlinkClick r:id="rId3"/>
+              </a:rPr>
+              <a:t>xmlns:xsi="http://www.w3.org/2001/XMLSchema-</a:t>
+            </a:r>
+            <a:r>
+              <a:rPr sz="3450" spc="5" dirty="0">
+                <a:latin typeface="Courier New" panose="02070309020205020404"/>
+                <a:cs typeface="Courier New" panose="02070309020205020404"/>
+              </a:rPr>
+              <a:t>instance" </a:t>
+            </a:r>
+            <a:r>
+              <a:rPr sz="3450" spc="10" dirty="0">
+                <a:latin typeface="Courier New" panose="02070309020205020404"/>
+                <a:cs typeface="Courier New" panose="02070309020205020404"/>
+              </a:rPr>
+              <a:t> </a:t>
+            </a:r>
+            <a:r>
+              <a:rPr sz="3450" dirty="0">
+                <a:latin typeface="Courier New" panose="02070309020205020404"/>
+                <a:cs typeface="Courier New" panose="02070309020205020404"/>
                 <a:hlinkClick r:id="rId2"/>
-              </a:rPr>
-              <a:t>xmlns:xsi="http://www.w3.org/2001/XMLSchema-</a:t>
-            </a:r>
-            <a:r>
-              <a:rPr sz="3450" spc="5" dirty="0">
-                <a:latin typeface="Courier New" panose="02070309020205020404"/>
-                <a:cs typeface="Courier New" panose="02070309020205020404"/>
-              </a:rPr>
-              <a:t>instance" </a:t>
-            </a:r>
-            <a:r>
-              <a:rPr sz="3450" spc="10" dirty="0">
-                <a:latin typeface="Courier New" panose="02070309020205020404"/>
-                <a:cs typeface="Courier New" panose="02070309020205020404"/>
-              </a:rPr>
-              <a:t> </a:t>
-            </a:r>
-            <a:r>
-              <a:rPr sz="3450" dirty="0">
-                <a:latin typeface="Courier New" panose="02070309020205020404"/>
-                <a:cs typeface="Courier New" panose="02070309020205020404"/>
-                <a:hlinkClick r:id="rId1"/>
               </a:rPr>
               <a:t>xsi:schemaLocation="http://xmlns.jcp.org/xml/ns/persistence</a:t>
             </a:r>
@@ -3750,7 +3818,7 @@
               <a:rPr sz="3450" spc="5" dirty="0">
                 <a:latin typeface="Courier New" panose="02070309020205020404"/>
                 <a:cs typeface="Courier New" panose="02070309020205020404"/>
-                <a:hlinkClick r:id="rId3"/>
+                <a:hlinkClick r:id="rId4"/>
               </a:rPr>
               <a:t>http://xmlns.jcp.org/xml/ns/persistence/persistence_2_1.xsd"&gt;</a:t>
             </a:r>
@@ -3795,9 +3863,11 @@
         <p:spPr/>
         <p:txBody>
           <a:bodyPr/>
+          <a:lstStyle/>
           <a:p>
             <a:fld id="{B6F15528-21DE-4FAA-801E-634DDDAF4B2B}" type="slidenum">
               <a:rPr/>
+              <a:t>4</a:t>
             </a:fld>
             <a:endParaRPr/>
           </a:p>
@@ -3822,6 +3892,7 @@
           <a:bodyPr vert="horz" wrap="square" lIns="0" tIns="114935" rIns="0" bIns="0" rtlCol="0">
             <a:spAutoFit/>
           </a:bodyPr>
+          <a:lstStyle/>
           <a:p>
             <a:pPr marL="12700">
               <a:lnSpc>
@@ -3895,7 +3966,7 @@
               <a:rPr sz="3450" dirty="0">
                 <a:latin typeface="Courier New" panose="02070309020205020404"/>
                 <a:cs typeface="Courier New" panose="02070309020205020404"/>
-                <a:hlinkClick r:id="rId1"/>
+                <a:hlinkClick r:id="rId2"/>
               </a:rPr>
               <a:t>xmlns="https://jakarta.ee/xml/ns/persistence" xmlns:xsi="http://www.w3.org/2001/XMLSchema-instance" version="3.0" xsi:schemalocation="https://jakarta.ee/xml/ns/persiste</a:t>
             </a:r>
@@ -3903,7 +3974,7 @@
               <a:rPr lang="en-US" sz="3450" dirty="0">
                 <a:latin typeface="Courier New" panose="02070309020205020404"/>
                 <a:cs typeface="Courier New" panose="02070309020205020404"/>
-                <a:hlinkClick r:id="rId1"/>
+                <a:hlinkClick r:id="rId2"/>
               </a:rPr>
               <a:t>c</a:t>
             </a:r>
@@ -3911,7 +3982,7 @@
               <a:rPr sz="3450" dirty="0">
                 <a:latin typeface="Courier New" panose="02070309020205020404"/>
                 <a:cs typeface="Courier New" panose="02070309020205020404"/>
-                <a:hlinkClick r:id="rId1"/>
+                <a:hlinkClick r:id="rId2"/>
               </a:rPr>
               <a:t>e https://jakarta.ee/xml/ns/persistence/persistence_3_0.xsd"</a:t>
             </a:r>
@@ -3919,7 +3990,7 @@
               <a:rPr sz="3450" spc="5" dirty="0">
                 <a:latin typeface="Courier New" panose="02070309020205020404"/>
                 <a:cs typeface="Courier New" panose="02070309020205020404"/>
-                <a:hlinkClick r:id="rId3"/>
+                <a:hlinkClick r:id="rId4"/>
               </a:rPr>
               <a:t>&gt;</a:t>
             </a:r>
@@ -4013,7 +4084,9 @@
         <p:txBody>
           <a:bodyPr wrap="square" lIns="0" tIns="0" rIns="0" bIns="0" rtlCol="0"/>
           <a:lstStyle/>
-          <a:p/>
+          <a:p>
+            <a:endParaRPr/>
+          </a:p>
         </p:txBody>
       </p:sp>
       <p:sp>
@@ -4049,7 +4122,6 @@
               <a:rPr dirty="0"/>
               <a:t>&lt;dependency&gt;</a:t>
             </a:r>
-            <a:endParaRPr dirty="0"/>
           </a:p>
         </p:txBody>
       </p:sp>
@@ -4316,9 +4388,11 @@
         <p:spPr/>
         <p:txBody>
           <a:bodyPr/>
+          <a:lstStyle/>
           <a:p>
             <a:fld id="{B6F15528-21DE-4FAA-801E-634DDDAF4B2B}" type="slidenum">
               <a:rPr/>
+              <a:t>5</a:t>
             </a:fld>
             <a:endParaRPr/>
           </a:p>
@@ -4394,7 +4468,9 @@
         <p:txBody>
           <a:bodyPr wrap="square" lIns="0" tIns="0" rIns="0" bIns="0" rtlCol="0"/>
           <a:lstStyle/>
-          <a:p/>
+          <a:p>
+            <a:endParaRPr/>
+          </a:p>
         </p:txBody>
       </p:sp>
       <p:sp>
@@ -4687,7 +4763,7 @@
               <a:rPr sz="3450" spc="5" dirty="0">
                 <a:latin typeface="Courier New" panose="02070309020205020404"/>
                 <a:cs typeface="Courier New" panose="02070309020205020404"/>
-                <a:hlinkClick r:id="rId1"/>
+                <a:hlinkClick r:id="rId2"/>
               </a:rPr>
               <a:t>"bobthebuilder@</a:t>
             </a:r>
@@ -4695,7 +4771,7 @@
               <a:rPr lang="en-US" sz="3450" spc="5" dirty="0">
                 <a:latin typeface="Courier New" panose="02070309020205020404"/>
                 <a:cs typeface="Courier New" panose="02070309020205020404"/>
-                <a:hlinkClick r:id="rId1"/>
+                <a:hlinkClick r:id="rId2"/>
               </a:rPr>
               <a:t>mycompany</a:t>
             </a:r>
@@ -4703,7 +4779,7 @@
               <a:rPr sz="3450" spc="5" dirty="0">
                 <a:latin typeface="Courier New" panose="02070309020205020404"/>
                 <a:cs typeface="Courier New" panose="02070309020205020404"/>
-                <a:hlinkClick r:id="rId1"/>
+                <a:hlinkClick r:id="rId2"/>
               </a:rPr>
               <a:t>.com"); </a:t>
             </a:r>
@@ -4790,9 +4866,11 @@
         <p:spPr/>
         <p:txBody>
           <a:bodyPr/>
+          <a:lstStyle/>
           <a:p>
             <a:fld id="{B6F15528-21DE-4FAA-801E-634DDDAF4B2B}" type="slidenum">
               <a:rPr/>
+              <a:t>6</a:t>
             </a:fld>
             <a:endParaRPr/>
           </a:p>
@@ -4860,7 +4938,9 @@
         <p:txBody>
           <a:bodyPr wrap="square" lIns="0" tIns="0" rIns="0" bIns="0" rtlCol="0"/>
           <a:lstStyle/>
-          <a:p/>
+          <a:p>
+            <a:endParaRPr/>
+          </a:p>
         </p:txBody>
       </p:sp>
       <p:sp>
@@ -4900,7 +4980,6 @@
               <a:rPr spc="-5" dirty="0"/>
               <a:t>&lt;dependency&gt;</a:t>
             </a:r>
-            <a:endParaRPr spc="-5" dirty="0"/>
           </a:p>
           <a:p>
             <a:pPr marL="1591310">
@@ -4923,7 +5002,6 @@
               <a:rPr spc="-5" dirty="0"/>
               <a:t>&lt;/groupId&gt;</a:t>
             </a:r>
-            <a:endParaRPr spc="-5" dirty="0"/>
           </a:p>
           <a:p>
             <a:pPr marL="1591310">
@@ -4938,7 +5016,6 @@
               <a:rPr spc="-5" dirty="0"/>
               <a:t>			&lt;artifactId&gt;mysql-connector-java&lt;/artifactId&gt;</a:t>
             </a:r>
-            <a:endParaRPr spc="-5" dirty="0"/>
           </a:p>
           <a:p>
             <a:pPr marL="1591310">
@@ -4953,7 +5030,6 @@
               <a:rPr spc="-5" dirty="0"/>
               <a:t>			&lt;scope&gt;runtime&lt;/scope&gt;</a:t>
             </a:r>
-            <a:endParaRPr spc="-5" dirty="0"/>
           </a:p>
           <a:p>
             <a:pPr marL="1591310">
@@ -4968,7 +5044,6 @@
               <a:rPr spc="-5" dirty="0"/>
               <a:t>&lt;/dependency&gt;</a:t>
             </a:r>
-            <a:endParaRPr spc="-5" dirty="0"/>
           </a:p>
           <a:p>
             <a:pPr>
@@ -5146,9 +5221,11 @@
         <p:spPr/>
         <p:txBody>
           <a:bodyPr/>
+          <a:lstStyle/>
           <a:p>
             <a:fld id="{B6F15528-21DE-4FAA-801E-634DDDAF4B2B}" type="slidenum">
               <a:rPr/>
+              <a:t>7</a:t>
             </a:fld>
             <a:endParaRPr/>
           </a:p>
@@ -5171,7 +5248,14 @@
         <p:cNvGrpSpPr/>
         <p:nvPr/>
       </p:nvGrpSpPr>
-      <p:grpSpPr/>
+      <p:grpSpPr>
+        <a:xfrm>
+          <a:off x="0" y="0"/>
+          <a:ext cx="0" cy="0"/>
+          <a:chOff x="0" y="0"/>
+          <a:chExt cx="0" cy="0"/>
+        </a:xfrm>
+      </p:grpSpPr>
       <p:sp>
         <p:nvSpPr>
           <p:cNvPr id="4" name="Slide Number Placeholder 3"/>
@@ -5185,9 +5269,11 @@
         <p:spPr/>
         <p:txBody>
           <a:bodyPr/>
+          <a:lstStyle/>
           <a:p>
             <a:fld id="{B6F15528-21DE-4FAA-801E-634DDDAF4B2B}" type="slidenum">
               <a:rPr/>
+              <a:t>8</a:t>
             </a:fld>
             <a:endParaRPr/>
           </a:p>
@@ -5197,14 +5283,14 @@
         <p:nvPicPr>
           <p:cNvPr id="5" name="Content Placeholder 4"/>
           <p:cNvPicPr>
-            <a:picLocks noChangeAspect="1"/>
+            <a:picLocks noGrp="1" noChangeAspect="1"/>
           </p:cNvPicPr>
           <p:nvPr>
             <p:ph sz="half" idx="2"/>
           </p:nvPr>
         </p:nvPicPr>
         <p:blipFill>
-          <a:blip r:embed="rId1"/>
+          <a:blip r:embed="rId2"/>
           <a:stretch>
             <a:fillRect/>
           </a:stretch>
@@ -5289,7 +5375,9 @@
         <p:txBody>
           <a:bodyPr wrap="square" lIns="0" tIns="0" rIns="0" bIns="0" rtlCol="0"/>
           <a:lstStyle/>
-          <a:p/>
+          <a:p>
+            <a:endParaRPr/>
+          </a:p>
         </p:txBody>
       </p:sp>
       <p:sp>
@@ -5527,9 +5615,11 @@
         <p:spPr/>
         <p:txBody>
           <a:bodyPr/>
+          <a:lstStyle/>
           <a:p>
             <a:fld id="{B6F15528-21DE-4FAA-801E-634DDDAF4B2B}" type="slidenum">
               <a:rPr/>
+              <a:t>9</a:t>
             </a:fld>
             <a:endParaRPr/>
           </a:p>
@@ -5821,6 +5911,8 @@
       </a:bgFillStyleLst>
     </a:fmtScheme>
   </a:themeElements>
+  <a:objectDefaults/>
+  <a:extraClrSchemeLst/>
   <a:extLst>
     <a:ext uri="{05A4C25C-085E-4340-85A3-A5531E510DB2}">
       <thm15:themeFamily xmlns:thm15="http://schemas.microsoft.com/office/thememl/2012/main" name="Office Theme" id="{62F939B6-93AF-4DB8-9C6B-D6C7DFDC589F}" vid="{4A3C46E8-61CC-4603-A589-7422A47A8E4A}"/>
@@ -6080,6 +6172,8 @@
       </a:bgFillStyleLst>
     </a:fmtScheme>
   </a:themeElements>
+  <a:objectDefaults/>
+  <a:extraClrSchemeLst/>
   <a:extLst>
     <a:ext uri="{05A4C25C-085E-4340-85A3-A5531E510DB2}">
       <thm15:themeFamily xmlns:thm15="http://schemas.microsoft.com/office/thememl/2012/main" name="Office Theme" id="{62F939B6-93AF-4DB8-9C6B-D6C7DFDC589F}" vid="{4A3C46E8-61CC-4603-A589-7422A47A8E4A}"/>
@@ -6339,6 +6433,8 @@
       </a:bgFillStyleLst>
     </a:fmtScheme>
   </a:themeElements>
+  <a:objectDefaults/>
+  <a:extraClrSchemeLst/>
   <a:extLst>
     <a:ext uri="{05A4C25C-085E-4340-85A3-A5531E510DB2}">
       <thm15:themeFamily xmlns:thm15="http://schemas.microsoft.com/office/thememl/2012/main" name="Office Theme" id="{62F939B6-93AF-4DB8-9C6B-D6C7DFDC589F}" vid="{4A3C46E8-61CC-4603-A589-7422A47A8E4A}"/>
